--- a/IM Procedure.pptx
+++ b/IM Procedure.pptx
@@ -104,6 +104,11 @@
       </a:defRPr>
     </a:lvl9pPr>
   </p:defaultTextStyle>
+  <p:extLst>
+    <p:ext uri="{EFAFB233-063F-42B5-8137-9DF3F51BA10A}">
+      <p15:sldGuideLst xmlns:p15="http://schemas.microsoft.com/office/powerpoint/2012/main"/>
+    </p:ext>
+  </p:extLst>
 </p:presentation>
 </file>
 
@@ -256,7 +261,7 @@
           <a:p>
             <a:fld id="{E107CF9E-4922-424F-A4AD-9E959C69AB78}" type="datetimeFigureOut">
               <a:rPr lang="en-SG" smtClean="0"/>
-              <a:t>29/3/2019</a:t>
+              <a:t>31/3/2019</a:t>
             </a:fld>
             <a:endParaRPr lang="en-SG"/>
           </a:p>
@@ -456,7 +461,7 @@
           <a:p>
             <a:fld id="{E107CF9E-4922-424F-A4AD-9E959C69AB78}" type="datetimeFigureOut">
               <a:rPr lang="en-SG" smtClean="0"/>
-              <a:t>29/3/2019</a:t>
+              <a:t>31/3/2019</a:t>
             </a:fld>
             <a:endParaRPr lang="en-SG"/>
           </a:p>
@@ -666,7 +671,7 @@
           <a:p>
             <a:fld id="{E107CF9E-4922-424F-A4AD-9E959C69AB78}" type="datetimeFigureOut">
               <a:rPr lang="en-SG" smtClean="0"/>
-              <a:t>29/3/2019</a:t>
+              <a:t>31/3/2019</a:t>
             </a:fld>
             <a:endParaRPr lang="en-SG"/>
           </a:p>
@@ -866,7 +871,7 @@
           <a:p>
             <a:fld id="{E107CF9E-4922-424F-A4AD-9E959C69AB78}" type="datetimeFigureOut">
               <a:rPr lang="en-SG" smtClean="0"/>
-              <a:t>29/3/2019</a:t>
+              <a:t>31/3/2019</a:t>
             </a:fld>
             <a:endParaRPr lang="en-SG"/>
           </a:p>
@@ -1142,7 +1147,7 @@
           <a:p>
             <a:fld id="{E107CF9E-4922-424F-A4AD-9E959C69AB78}" type="datetimeFigureOut">
               <a:rPr lang="en-SG" smtClean="0"/>
-              <a:t>29/3/2019</a:t>
+              <a:t>31/3/2019</a:t>
             </a:fld>
             <a:endParaRPr lang="en-SG"/>
           </a:p>
@@ -1410,7 +1415,7 @@
           <a:p>
             <a:fld id="{E107CF9E-4922-424F-A4AD-9E959C69AB78}" type="datetimeFigureOut">
               <a:rPr lang="en-SG" smtClean="0"/>
-              <a:t>29/3/2019</a:t>
+              <a:t>31/3/2019</a:t>
             </a:fld>
             <a:endParaRPr lang="en-SG"/>
           </a:p>
@@ -1825,7 +1830,7 @@
           <a:p>
             <a:fld id="{E107CF9E-4922-424F-A4AD-9E959C69AB78}" type="datetimeFigureOut">
               <a:rPr lang="en-SG" smtClean="0"/>
-              <a:t>29/3/2019</a:t>
+              <a:t>31/3/2019</a:t>
             </a:fld>
             <a:endParaRPr lang="en-SG"/>
           </a:p>
@@ -1967,7 +1972,7 @@
           <a:p>
             <a:fld id="{E107CF9E-4922-424F-A4AD-9E959C69AB78}" type="datetimeFigureOut">
               <a:rPr lang="en-SG" smtClean="0"/>
-              <a:t>29/3/2019</a:t>
+              <a:t>31/3/2019</a:t>
             </a:fld>
             <a:endParaRPr lang="en-SG"/>
           </a:p>
@@ -2080,7 +2085,7 @@
           <a:p>
             <a:fld id="{E107CF9E-4922-424F-A4AD-9E959C69AB78}" type="datetimeFigureOut">
               <a:rPr lang="en-SG" smtClean="0"/>
-              <a:t>29/3/2019</a:t>
+              <a:t>31/3/2019</a:t>
             </a:fld>
             <a:endParaRPr lang="en-SG"/>
           </a:p>
@@ -2393,7 +2398,7 @@
           <a:p>
             <a:fld id="{E107CF9E-4922-424F-A4AD-9E959C69AB78}" type="datetimeFigureOut">
               <a:rPr lang="en-SG" smtClean="0"/>
-              <a:t>29/3/2019</a:t>
+              <a:t>31/3/2019</a:t>
             </a:fld>
             <a:endParaRPr lang="en-SG"/>
           </a:p>
@@ -2682,7 +2687,7 @@
           <a:p>
             <a:fld id="{E107CF9E-4922-424F-A4AD-9E959C69AB78}" type="datetimeFigureOut">
               <a:rPr lang="en-SG" smtClean="0"/>
-              <a:t>29/3/2019</a:t>
+              <a:t>31/3/2019</a:t>
             </a:fld>
             <a:endParaRPr lang="en-SG"/>
           </a:p>
@@ -2925,7 +2930,7 @@
           <a:p>
             <a:fld id="{E107CF9E-4922-424F-A4AD-9E959C69AB78}" type="datetimeFigureOut">
               <a:rPr lang="en-SG" smtClean="0"/>
-              <a:t>29/3/2019</a:t>
+              <a:t>31/3/2019</a:t>
             </a:fld>
             <a:endParaRPr lang="en-SG"/>
           </a:p>
@@ -4120,7 +4125,7 @@
           <a:lstStyle/>
           <a:p>
             <a:pPr algn="ctr"/>
-            <a:endParaRPr lang="en-SG"/>
+            <a:endParaRPr lang="en-SG" b="1" dirty="0"/>
           </a:p>
         </p:txBody>
       </p:sp>
@@ -4234,6 +4239,50 @@
               <a:rPr lang="en-SG" sz="1400" dirty="0"/>
               <a:t>Start</a:t>
             </a:r>
+          </a:p>
+        </p:txBody>
+      </p:sp>
+      <p:sp>
+        <p:nvSpPr>
+          <p:cNvPr id="24" name="Oval 23">
+            <a:extLst>
+              <a:ext uri="{FF2B5EF4-FFF2-40B4-BE49-F238E27FC236}">
+                <a16:creationId xmlns:a16="http://schemas.microsoft.com/office/drawing/2014/main" id="{919E7F07-E0EC-417E-86F2-256B43470E35}"/>
+              </a:ext>
+            </a:extLst>
+          </p:cNvPr>
+          <p:cNvSpPr/>
+          <p:nvPr/>
+        </p:nvSpPr>
+        <p:spPr>
+          <a:xfrm>
+            <a:off x="944836" y="2910632"/>
+            <a:ext cx="295509" cy="307777"/>
+          </a:xfrm>
+          <a:prstGeom prst="ellipse">
+            <a:avLst/>
+          </a:prstGeom>
+        </p:spPr>
+        <p:style>
+          <a:lnRef idx="2">
+            <a:schemeClr val="accent6"/>
+          </a:lnRef>
+          <a:fillRef idx="1">
+            <a:schemeClr val="lt1"/>
+          </a:fillRef>
+          <a:effectRef idx="0">
+            <a:schemeClr val="accent6"/>
+          </a:effectRef>
+          <a:fontRef idx="minor">
+            <a:schemeClr val="dk1"/>
+          </a:fontRef>
+        </p:style>
+        <p:txBody>
+          <a:bodyPr rtlCol="0" anchor="ctr"/>
+          <a:lstStyle/>
+          <a:p>
+            <a:pPr algn="ctr"/>
+            <a:endParaRPr lang="en-SG"/>
           </a:p>
         </p:txBody>
       </p:sp>

--- a/IM Procedure.pptx
+++ b/IM Procedure.pptx
@@ -3389,7 +3389,7 @@
             <a:pPr algn="ctr"/>
             <a:r>
               <a:rPr lang="en-SG" sz="1400" i="1" dirty="0"/>
-              <a:t>Based on our communications with other teams, we found out that their website was under attack, that’s when our team discovered the attack </a:t>
+              <a:t>Based on our communications with other teams, we found out that their website was under attack, that’s when our team discovered the attack .</a:t>
             </a:r>
           </a:p>
         </p:txBody>
@@ -3531,23 +3531,7 @@
             </a:r>
             <a:r>
               <a:rPr lang="en-SG" sz="1400" i="1" dirty="0"/>
-              <a:t>Tier 4 support, </a:t>
-            </a:r>
-            <a:r>
-              <a:rPr lang="en-SG" sz="1400" i="1" dirty="0" err="1"/>
-              <a:t>ming</a:t>
-            </a:r>
-            <a:r>
-              <a:rPr lang="en-SG" sz="1400" i="1" dirty="0"/>
-              <a:t> </a:t>
-            </a:r>
-            <a:r>
-              <a:rPr lang="en-SG" sz="1400" i="1" dirty="0" err="1"/>
-              <a:t>yu</a:t>
-            </a:r>
-            <a:r>
-              <a:rPr lang="en-SG" sz="1400" i="1" dirty="0"/>
-              <a:t> (</a:t>
+              <a:t>Security in-charge, Ming Yu (</a:t>
             </a:r>
             <a:r>
               <a:rPr lang="en-SG" sz="1400" i="1" u="sng" dirty="0">
@@ -3639,8 +3623,8 @@
         </p:nvSpPr>
         <p:spPr>
           <a:xfrm>
-            <a:off x="10092785" y="780591"/>
-            <a:ext cx="1953322" cy="992456"/>
+            <a:off x="10030522" y="724833"/>
+            <a:ext cx="2015585" cy="1098398"/>
           </a:xfrm>
           <a:prstGeom prst="rect">
             <a:avLst/>
@@ -3667,7 +3651,7 @@
             <a:pPr algn="ctr"/>
             <a:r>
               <a:rPr lang="en-SG" sz="1400" dirty="0"/>
-              <a:t>We categorise urgent incident under </a:t>
+              <a:t>We categorise this urgent incident under </a:t>
             </a:r>
             <a:r>
               <a:rPr lang="en-SG" sz="1400" i="1" dirty="0"/>
@@ -3693,9 +3677,9 @@
           <p:nvPr/>
         </p:nvCxnSpPr>
         <p:spPr>
-          <a:xfrm>
-            <a:off x="9393045" y="1276819"/>
-            <a:ext cx="699740" cy="0"/>
+          <a:xfrm flipV="1">
+            <a:off x="9393045" y="1274032"/>
+            <a:ext cx="637477" cy="2787"/>
           </a:xfrm>
           <a:prstGeom prst="straightConnector1">
             <a:avLst/>
@@ -3783,8 +3767,8 @@
         </p:nvCxnSpPr>
         <p:spPr>
           <a:xfrm flipH="1">
-            <a:off x="10488651" y="1773047"/>
-            <a:ext cx="580795" cy="685798"/>
+            <a:off x="10488651" y="1823231"/>
+            <a:ext cx="549664" cy="635614"/>
           </a:xfrm>
           <a:prstGeom prst="straightConnector1">
             <a:avLst/>
@@ -3858,7 +3842,7 @@
             </a:r>
             <a:r>
               <a:rPr lang="en-SG" sz="1400" dirty="0"/>
-              <a:t> link</a:t>
+              <a:t> link.</a:t>
             </a:r>
           </a:p>
         </p:txBody>
@@ -3947,7 +3931,7 @@
             <a:pPr algn="ctr"/>
             <a:r>
               <a:rPr lang="en-SG" sz="1400" dirty="0"/>
-              <a:t>Raise ticket in Ticketing System</a:t>
+              <a:t>Raise ticket in Ticketing System.</a:t>
             </a:r>
           </a:p>
         </p:txBody>
@@ -4037,7 +4021,7 @@
             <a:pPr algn="ctr"/>
             <a:r>
               <a:rPr lang="en-SG" sz="1400" dirty="0"/>
-              <a:t>Incident escalated to CEO for further instructions</a:t>
+              <a:t>Incident escalated to CEO for further instructions.</a:t>
             </a:r>
           </a:p>
         </p:txBody>
